--- a/idioms/incident/related-observables/diagram.pptx
+++ b/idioms/incident/related-observables/diagram.pptx
@@ -288,7 +288,7 @@
           <a:p>
             <a:fld id="{13F24B86-36D2-4655-BE2F-98B661AC85E1}" type="datetimeFigureOut">
               <a:rPr lang="en-US" smtClean="0"/>
-              <a:t>3/19/2014</a:t>
+              <a:t>3/27/2014</a:t>
             </a:fld>
             <a:endParaRPr lang="en-US"/>
           </a:p>
@@ -458,7 +458,7 @@
           <a:p>
             <a:fld id="{13F24B86-36D2-4655-BE2F-98B661AC85E1}" type="datetimeFigureOut">
               <a:rPr lang="en-US" smtClean="0"/>
-              <a:t>3/19/2014</a:t>
+              <a:t>3/27/2014</a:t>
             </a:fld>
             <a:endParaRPr lang="en-US"/>
           </a:p>
@@ -638,7 +638,7 @@
           <a:p>
             <a:fld id="{13F24B86-36D2-4655-BE2F-98B661AC85E1}" type="datetimeFigureOut">
               <a:rPr lang="en-US" smtClean="0"/>
-              <a:t>3/19/2014</a:t>
+              <a:t>3/27/2014</a:t>
             </a:fld>
             <a:endParaRPr lang="en-US"/>
           </a:p>
@@ -808,7 +808,7 @@
           <a:p>
             <a:fld id="{13F24B86-36D2-4655-BE2F-98B661AC85E1}" type="datetimeFigureOut">
               <a:rPr lang="en-US" smtClean="0"/>
-              <a:t>3/19/2014</a:t>
+              <a:t>3/27/2014</a:t>
             </a:fld>
             <a:endParaRPr lang="en-US"/>
           </a:p>
@@ -1054,7 +1054,7 @@
           <a:p>
             <a:fld id="{13F24B86-36D2-4655-BE2F-98B661AC85E1}" type="datetimeFigureOut">
               <a:rPr lang="en-US" smtClean="0"/>
-              <a:t>3/19/2014</a:t>
+              <a:t>3/27/2014</a:t>
             </a:fld>
             <a:endParaRPr lang="en-US"/>
           </a:p>
@@ -1342,7 +1342,7 @@
           <a:p>
             <a:fld id="{13F24B86-36D2-4655-BE2F-98B661AC85E1}" type="datetimeFigureOut">
               <a:rPr lang="en-US" smtClean="0"/>
-              <a:t>3/19/2014</a:t>
+              <a:t>3/27/2014</a:t>
             </a:fld>
             <a:endParaRPr lang="en-US"/>
           </a:p>
@@ -1764,7 +1764,7 @@
           <a:p>
             <a:fld id="{13F24B86-36D2-4655-BE2F-98B661AC85E1}" type="datetimeFigureOut">
               <a:rPr lang="en-US" smtClean="0"/>
-              <a:t>3/19/2014</a:t>
+              <a:t>3/27/2014</a:t>
             </a:fld>
             <a:endParaRPr lang="en-US"/>
           </a:p>
@@ -1882,7 +1882,7 @@
           <a:p>
             <a:fld id="{13F24B86-36D2-4655-BE2F-98B661AC85E1}" type="datetimeFigureOut">
               <a:rPr lang="en-US" smtClean="0"/>
-              <a:t>3/19/2014</a:t>
+              <a:t>3/27/2014</a:t>
             </a:fld>
             <a:endParaRPr lang="en-US"/>
           </a:p>
@@ -1977,7 +1977,7 @@
           <a:p>
             <a:fld id="{13F24B86-36D2-4655-BE2F-98B661AC85E1}" type="datetimeFigureOut">
               <a:rPr lang="en-US" smtClean="0"/>
-              <a:t>3/19/2014</a:t>
+              <a:t>3/27/2014</a:t>
             </a:fld>
             <a:endParaRPr lang="en-US"/>
           </a:p>
@@ -2254,7 +2254,7 @@
           <a:p>
             <a:fld id="{13F24B86-36D2-4655-BE2F-98B661AC85E1}" type="datetimeFigureOut">
               <a:rPr lang="en-US" smtClean="0"/>
-              <a:t>3/19/2014</a:t>
+              <a:t>3/27/2014</a:t>
             </a:fld>
             <a:endParaRPr lang="en-US"/>
           </a:p>
@@ -2507,7 +2507,7 @@
           <a:p>
             <a:fld id="{13F24B86-36D2-4655-BE2F-98B661AC85E1}" type="datetimeFigureOut">
               <a:rPr lang="en-US" smtClean="0"/>
-              <a:t>3/19/2014</a:t>
+              <a:t>3/27/2014</a:t>
             </a:fld>
             <a:endParaRPr lang="en-US"/>
           </a:p>
@@ -2720,7 +2720,7 @@
           <a:p>
             <a:fld id="{13F24B86-36D2-4655-BE2F-98B661AC85E1}" type="datetimeFigureOut">
               <a:rPr lang="en-US" smtClean="0"/>
-              <a:t>3/19/2014</a:t>
+              <a:t>3/27/2014</a:t>
             </a:fld>
             <a:endParaRPr lang="en-US"/>
           </a:p>
@@ -4431,7 +4431,7 @@
           <p:nvPr>
             <p:extLst>
               <p:ext uri="{D42A27DB-BD31-4B8C-83A1-F6EECF244321}">
-                <p14:modId xmlns:p14="http://schemas.microsoft.com/office/powerpoint/2010/main" val="3734699103"/>
+                <p14:modId xmlns:p14="http://schemas.microsoft.com/office/powerpoint/2010/main" val="2536557759"/>
               </p:ext>
             </p:extLst>
           </p:nvPr>
@@ -4749,14 +4749,11 @@
                     <a:bodyPr/>
                     <a:lstStyle/>
                     <a:p>
-                      <a:r>
-                        <a:rPr lang="en-US" sz="1100" b="0" dirty="0" smtClean="0">
-                          <a:solidFill>
-                            <a:schemeClr val="tx1"/>
-                          </a:solidFill>
-                        </a:rPr>
-                        <a:t>Poison Ivy</a:t>
-                      </a:r>
+                      <a:endParaRPr lang="en-US" sz="1100" b="0" dirty="0" smtClean="0">
+                        <a:solidFill>
+                          <a:schemeClr val="tx1"/>
+                        </a:solidFill>
+                      </a:endParaRPr>
                     </a:p>
                   </a:txBody>
                   <a:tcPr>
@@ -5784,7 +5781,7 @@
           <p:nvPr>
             <p:extLst>
               <p:ext uri="{D42A27DB-BD31-4B8C-83A1-F6EECF244321}">
-                <p14:modId xmlns:p14="http://schemas.microsoft.com/office/powerpoint/2010/main" val="1664479027"/>
+                <p14:modId xmlns:p14="http://schemas.microsoft.com/office/powerpoint/2010/main" val="941773215"/>
               </p:ext>
             </p:extLst>
           </p:nvPr>
@@ -6102,14 +6099,11 @@
                     <a:bodyPr/>
                     <a:lstStyle/>
                     <a:p>
-                      <a:r>
-                        <a:rPr lang="en-US" sz="1100" b="0" dirty="0" smtClean="0">
-                          <a:solidFill>
-                            <a:schemeClr val="tx1"/>
-                          </a:solidFill>
-                        </a:rPr>
-                        <a:t>Poison Ivy</a:t>
-                      </a:r>
+                      <a:endParaRPr lang="en-US" sz="1100" b="0" dirty="0" smtClean="0">
+                        <a:solidFill>
+                          <a:schemeClr val="tx1"/>
+                        </a:solidFill>
+                      </a:endParaRPr>
                     </a:p>
                   </a:txBody>
                   <a:tcPr>

--- a/idioms/incident/related-observables/diagram.pptx
+++ b/idioms/incident/related-observables/diagram.pptx
@@ -288,7 +288,7 @@
           <a:p>
             <a:fld id="{13F24B86-36D2-4655-BE2F-98B661AC85E1}" type="datetimeFigureOut">
               <a:rPr lang="en-US" smtClean="0"/>
-              <a:t>3/27/2014</a:t>
+              <a:t>3/30/14</a:t>
             </a:fld>
             <a:endParaRPr lang="en-US"/>
           </a:p>
@@ -458,7 +458,7 @@
           <a:p>
             <a:fld id="{13F24B86-36D2-4655-BE2F-98B661AC85E1}" type="datetimeFigureOut">
               <a:rPr lang="en-US" smtClean="0"/>
-              <a:t>3/27/2014</a:t>
+              <a:t>3/30/14</a:t>
             </a:fld>
             <a:endParaRPr lang="en-US"/>
           </a:p>
@@ -638,7 +638,7 @@
           <a:p>
             <a:fld id="{13F24B86-36D2-4655-BE2F-98B661AC85E1}" type="datetimeFigureOut">
               <a:rPr lang="en-US" smtClean="0"/>
-              <a:t>3/27/2014</a:t>
+              <a:t>3/30/14</a:t>
             </a:fld>
             <a:endParaRPr lang="en-US"/>
           </a:p>
@@ -808,7 +808,7 @@
           <a:p>
             <a:fld id="{13F24B86-36D2-4655-BE2F-98B661AC85E1}" type="datetimeFigureOut">
               <a:rPr lang="en-US" smtClean="0"/>
-              <a:t>3/27/2014</a:t>
+              <a:t>3/30/14</a:t>
             </a:fld>
             <a:endParaRPr lang="en-US"/>
           </a:p>
@@ -1054,7 +1054,7 @@
           <a:p>
             <a:fld id="{13F24B86-36D2-4655-BE2F-98B661AC85E1}" type="datetimeFigureOut">
               <a:rPr lang="en-US" smtClean="0"/>
-              <a:t>3/27/2014</a:t>
+              <a:t>3/30/14</a:t>
             </a:fld>
             <a:endParaRPr lang="en-US"/>
           </a:p>
@@ -1342,7 +1342,7 @@
           <a:p>
             <a:fld id="{13F24B86-36D2-4655-BE2F-98B661AC85E1}" type="datetimeFigureOut">
               <a:rPr lang="en-US" smtClean="0"/>
-              <a:t>3/27/2014</a:t>
+              <a:t>3/30/14</a:t>
             </a:fld>
             <a:endParaRPr lang="en-US"/>
           </a:p>
@@ -1764,7 +1764,7 @@
           <a:p>
             <a:fld id="{13F24B86-36D2-4655-BE2F-98B661AC85E1}" type="datetimeFigureOut">
               <a:rPr lang="en-US" smtClean="0"/>
-              <a:t>3/27/2014</a:t>
+              <a:t>3/30/14</a:t>
             </a:fld>
             <a:endParaRPr lang="en-US"/>
           </a:p>
@@ -1882,7 +1882,7 @@
           <a:p>
             <a:fld id="{13F24B86-36D2-4655-BE2F-98B661AC85E1}" type="datetimeFigureOut">
               <a:rPr lang="en-US" smtClean="0"/>
-              <a:t>3/27/2014</a:t>
+              <a:t>3/30/14</a:t>
             </a:fld>
             <a:endParaRPr lang="en-US"/>
           </a:p>
@@ -1977,7 +1977,7 @@
           <a:p>
             <a:fld id="{13F24B86-36D2-4655-BE2F-98B661AC85E1}" type="datetimeFigureOut">
               <a:rPr lang="en-US" smtClean="0"/>
-              <a:t>3/27/2014</a:t>
+              <a:t>3/30/14</a:t>
             </a:fld>
             <a:endParaRPr lang="en-US"/>
           </a:p>
@@ -2254,7 +2254,7 @@
           <a:p>
             <a:fld id="{13F24B86-36D2-4655-BE2F-98B661AC85E1}" type="datetimeFigureOut">
               <a:rPr lang="en-US" smtClean="0"/>
-              <a:t>3/27/2014</a:t>
+              <a:t>3/30/14</a:t>
             </a:fld>
             <a:endParaRPr lang="en-US"/>
           </a:p>
@@ -2507,7 +2507,7 @@
           <a:p>
             <a:fld id="{13F24B86-36D2-4655-BE2F-98B661AC85E1}" type="datetimeFigureOut">
               <a:rPr lang="en-US" smtClean="0"/>
-              <a:t>3/27/2014</a:t>
+              <a:t>3/30/14</a:t>
             </a:fld>
             <a:endParaRPr lang="en-US"/>
           </a:p>
@@ -2720,7 +2720,7 @@
           <a:p>
             <a:fld id="{13F24B86-36D2-4655-BE2F-98B661AC85E1}" type="datetimeFigureOut">
               <a:rPr lang="en-US" smtClean="0"/>
-              <a:t>3/27/2014</a:t>
+              <a:t>3/30/14</a:t>
             </a:fld>
             <a:endParaRPr lang="en-US"/>
           </a:p>
@@ -3104,14 +3104,14 @@
           <p:nvPr>
             <p:extLst>
               <p:ext uri="{D42A27DB-BD31-4B8C-83A1-F6EECF244321}">
-                <p14:modId xmlns:p14="http://schemas.microsoft.com/office/powerpoint/2010/main" val="1459556370"/>
+                <p14:modId xmlns:p14="http://schemas.microsoft.com/office/powerpoint/2010/main" val="541182281"/>
               </p:ext>
             </p:extLst>
           </p:nvPr>
         </p:nvGraphicFramePr>
         <p:xfrm>
           <a:off x="182717" y="2109340"/>
-          <a:ext cx="3873089" cy="3596640"/>
+          <a:ext cx="3873089" cy="3429000"/>
         </p:xfrm>
         <a:graphic>
           <a:graphicData uri="http://schemas.openxmlformats.org/drawingml/2006/table">
@@ -3407,7 +3407,7 @@
                             <a:schemeClr val="tx1"/>
                           </a:solidFill>
                         </a:rPr>
-                        <a:t>Detected files delivered</a:t>
+                        <a:t>Malicious</a:t>
                       </a:r>
                       <a:r>
                         <a:rPr lang="en-US" sz="1100" b="0" baseline="0" dirty="0" smtClean="0">
@@ -3415,7 +3415,7 @@
                             <a:schemeClr val="tx1"/>
                           </a:solidFill>
                         </a:rPr>
-                        <a:t> by malicious attacker</a:t>
+                        <a:t> files detected</a:t>
                       </a:r>
                       <a:endParaRPr lang="en-US" sz="1100" b="0" dirty="0" smtClean="0">
                         <a:solidFill>
@@ -3881,8 +3881,21 @@
                             <a:schemeClr val="tx1"/>
                           </a:solidFill>
                         </a:rPr>
-                        <a:t>Malicious Observable</a:t>
+                        <a:t>Malicious </a:t>
                       </a:r>
+                      <a:r>
+                        <a:rPr lang="en-US" sz="1100" b="0" dirty="0" smtClean="0">
+                          <a:solidFill>
+                            <a:schemeClr val="tx1"/>
+                          </a:solidFill>
+                        </a:rPr>
+                        <a:t>Artifact Detected</a:t>
+                      </a:r>
+                      <a:endParaRPr lang="en-US" sz="1100" b="0" dirty="0" smtClean="0">
+                        <a:solidFill>
+                          <a:schemeClr val="tx1"/>
+                        </a:solidFill>
+                      </a:endParaRPr>
                     </a:p>
                   </a:txBody>
                   <a:tcPr>
@@ -4372,8 +4385,13 @@
                             <a:schemeClr val="tx1"/>
                           </a:solidFill>
                         </a:rPr>
-                        <a:t>Malicious Observable</a:t>
+                        <a:t>Malicious Artifact Detected</a:t>
                       </a:r>
+                      <a:endParaRPr lang="en-US" sz="1100" b="0" dirty="0" smtClean="0">
+                        <a:solidFill>
+                          <a:schemeClr val="tx1"/>
+                        </a:solidFill>
+                      </a:endParaRPr>
                     </a:p>
                   </a:txBody>
                   <a:tcPr>

--- a/idioms/incident/related-observables/diagram.pptx
+++ b/idioms/incident/related-observables/diagram.pptx
@@ -3104,7 +3104,7 @@
           <p:nvPr>
             <p:extLst>
               <p:ext uri="{D42A27DB-BD31-4B8C-83A1-F6EECF244321}">
-                <p14:modId xmlns:p14="http://schemas.microsoft.com/office/powerpoint/2010/main" val="541182281"/>
+                <p14:modId xmlns:p14="http://schemas.microsoft.com/office/powerpoint/2010/main" val="298559047"/>
               </p:ext>
             </p:extLst>
           </p:nvPr>
@@ -4449,7 +4449,7 @@
           <p:nvPr>
             <p:extLst>
               <p:ext uri="{D42A27DB-BD31-4B8C-83A1-F6EECF244321}">
-                <p14:modId xmlns:p14="http://schemas.microsoft.com/office/powerpoint/2010/main" val="2536557759"/>
+                <p14:modId xmlns:p14="http://schemas.microsoft.com/office/powerpoint/2010/main" val="1699071546"/>
               </p:ext>
             </p:extLst>
           </p:nvPr>
@@ -5799,7 +5799,7 @@
           <p:nvPr>
             <p:extLst>
               <p:ext uri="{D42A27DB-BD31-4B8C-83A1-F6EECF244321}">
-                <p14:modId xmlns:p14="http://schemas.microsoft.com/office/powerpoint/2010/main" val="941773215"/>
+                <p14:modId xmlns:p14="http://schemas.microsoft.com/office/powerpoint/2010/main" val="650514547"/>
               </p:ext>
             </p:extLst>
           </p:nvPr>

--- a/idioms/incident/related-observables/diagram.pptx
+++ b/idioms/incident/related-observables/diagram.pptx
@@ -288,7 +288,7 @@
           <a:p>
             <a:fld id="{13F24B86-36D2-4655-BE2F-98B661AC85E1}" type="datetimeFigureOut">
               <a:rPr lang="en-US" smtClean="0"/>
-              <a:t>3/30/14</a:t>
+              <a:t>3/31/2014</a:t>
             </a:fld>
             <a:endParaRPr lang="en-US"/>
           </a:p>
@@ -458,7 +458,7 @@
           <a:p>
             <a:fld id="{13F24B86-36D2-4655-BE2F-98B661AC85E1}" type="datetimeFigureOut">
               <a:rPr lang="en-US" smtClean="0"/>
-              <a:t>3/30/14</a:t>
+              <a:t>3/31/2014</a:t>
             </a:fld>
             <a:endParaRPr lang="en-US"/>
           </a:p>
@@ -638,7 +638,7 @@
           <a:p>
             <a:fld id="{13F24B86-36D2-4655-BE2F-98B661AC85E1}" type="datetimeFigureOut">
               <a:rPr lang="en-US" smtClean="0"/>
-              <a:t>3/30/14</a:t>
+              <a:t>3/31/2014</a:t>
             </a:fld>
             <a:endParaRPr lang="en-US"/>
           </a:p>
@@ -808,7 +808,7 @@
           <a:p>
             <a:fld id="{13F24B86-36D2-4655-BE2F-98B661AC85E1}" type="datetimeFigureOut">
               <a:rPr lang="en-US" smtClean="0"/>
-              <a:t>3/30/14</a:t>
+              <a:t>3/31/2014</a:t>
             </a:fld>
             <a:endParaRPr lang="en-US"/>
           </a:p>
@@ -1054,7 +1054,7 @@
           <a:p>
             <a:fld id="{13F24B86-36D2-4655-BE2F-98B661AC85E1}" type="datetimeFigureOut">
               <a:rPr lang="en-US" smtClean="0"/>
-              <a:t>3/30/14</a:t>
+              <a:t>3/31/2014</a:t>
             </a:fld>
             <a:endParaRPr lang="en-US"/>
           </a:p>
@@ -1342,7 +1342,7 @@
           <a:p>
             <a:fld id="{13F24B86-36D2-4655-BE2F-98B661AC85E1}" type="datetimeFigureOut">
               <a:rPr lang="en-US" smtClean="0"/>
-              <a:t>3/30/14</a:t>
+              <a:t>3/31/2014</a:t>
             </a:fld>
             <a:endParaRPr lang="en-US"/>
           </a:p>
@@ -1764,7 +1764,7 @@
           <a:p>
             <a:fld id="{13F24B86-36D2-4655-BE2F-98B661AC85E1}" type="datetimeFigureOut">
               <a:rPr lang="en-US" smtClean="0"/>
-              <a:t>3/30/14</a:t>
+              <a:t>3/31/2014</a:t>
             </a:fld>
             <a:endParaRPr lang="en-US"/>
           </a:p>
@@ -1882,7 +1882,7 @@
           <a:p>
             <a:fld id="{13F24B86-36D2-4655-BE2F-98B661AC85E1}" type="datetimeFigureOut">
               <a:rPr lang="en-US" smtClean="0"/>
-              <a:t>3/30/14</a:t>
+              <a:t>3/31/2014</a:t>
             </a:fld>
             <a:endParaRPr lang="en-US"/>
           </a:p>
@@ -1977,7 +1977,7 @@
           <a:p>
             <a:fld id="{13F24B86-36D2-4655-BE2F-98B661AC85E1}" type="datetimeFigureOut">
               <a:rPr lang="en-US" smtClean="0"/>
-              <a:t>3/30/14</a:t>
+              <a:t>3/31/2014</a:t>
             </a:fld>
             <a:endParaRPr lang="en-US"/>
           </a:p>
@@ -2254,7 +2254,7 @@
           <a:p>
             <a:fld id="{13F24B86-36D2-4655-BE2F-98B661AC85E1}" type="datetimeFigureOut">
               <a:rPr lang="en-US" smtClean="0"/>
-              <a:t>3/30/14</a:t>
+              <a:t>3/31/2014</a:t>
             </a:fld>
             <a:endParaRPr lang="en-US"/>
           </a:p>
@@ -2507,7 +2507,7 @@
           <a:p>
             <a:fld id="{13F24B86-36D2-4655-BE2F-98B661AC85E1}" type="datetimeFigureOut">
               <a:rPr lang="en-US" smtClean="0"/>
-              <a:t>3/30/14</a:t>
+              <a:t>3/31/2014</a:t>
             </a:fld>
             <a:endParaRPr lang="en-US"/>
           </a:p>
@@ -2720,7 +2720,7 @@
           <a:p>
             <a:fld id="{13F24B86-36D2-4655-BE2F-98B661AC85E1}" type="datetimeFigureOut">
               <a:rPr lang="en-US" smtClean="0"/>
-              <a:t>3/30/14</a:t>
+              <a:t>3/31/2014</a:t>
             </a:fld>
             <a:endParaRPr lang="en-US"/>
           </a:p>
@@ -3104,7 +3104,7 @@
           <p:nvPr>
             <p:extLst>
               <p:ext uri="{D42A27DB-BD31-4B8C-83A1-F6EECF244321}">
-                <p14:modId xmlns:p14="http://schemas.microsoft.com/office/powerpoint/2010/main" val="298559047"/>
+                <p14:modId xmlns:p14="http://schemas.microsoft.com/office/powerpoint/2010/main" val="4259185989"/>
               </p:ext>
             </p:extLst>
           </p:nvPr>
@@ -3881,21 +3881,8 @@
                             <a:schemeClr val="tx1"/>
                           </a:solidFill>
                         </a:rPr>
-                        <a:t>Malicious </a:t>
+                        <a:t>Malicious Artifact Detected</a:t>
                       </a:r>
-                      <a:r>
-                        <a:rPr lang="en-US" sz="1100" b="0" dirty="0" smtClean="0">
-                          <a:solidFill>
-                            <a:schemeClr val="tx1"/>
-                          </a:solidFill>
-                        </a:rPr>
-                        <a:t>Artifact Detected</a:t>
-                      </a:r>
-                      <a:endParaRPr lang="en-US" sz="1100" b="0" dirty="0" smtClean="0">
-                        <a:solidFill>
-                          <a:schemeClr val="tx1"/>
-                        </a:solidFill>
-                      </a:endParaRPr>
                     </a:p>
                   </a:txBody>
                   <a:tcPr>
@@ -4387,11 +4374,6 @@
                         </a:rPr>
                         <a:t>Malicious Artifact Detected</a:t>
                       </a:r>
-                      <a:endParaRPr lang="en-US" sz="1100" b="0" dirty="0" smtClean="0">
-                        <a:solidFill>
-                          <a:schemeClr val="tx1"/>
-                        </a:solidFill>
-                      </a:endParaRPr>
                     </a:p>
                   </a:txBody>
                   <a:tcPr>
